--- a/PPT/EPESystem.pptx
+++ b/PPT/EPESystem.pptx
@@ -12633,7 +12633,7 @@
       </p:sp>
       <p:pic>
         <p:nvPicPr>
-          <p:cNvPr id="18" name="Picture 17" descr="erd"/>
+          <p:cNvPr id="18" name="Picture 17" descr="C:/Users/Chris/Desktop/Employee-Performance-System/PPT/erd2.pngerd2"/>
           <p:cNvPicPr>
             <a:picLocks noChangeAspect="1"/>
           </p:cNvPicPr>
@@ -12641,7 +12641,7 @@
         </p:nvPicPr>
         <p:blipFill>
           <a:blip r:embed="rId15"/>
-          <a:srcRect t="2380"/>
+          <a:srcRect t="5737" b="5737"/>
           <a:stretch>
             <a:fillRect/>
           </a:stretch>
